--- a/Prezentacie/4. Podmienky.pptx
+++ b/Prezentacie/4. Podmienky.pptx
@@ -205,7 +205,7 @@
           <a:p>
             <a:fld id="{4F3E452C-F731-4C85-88B7-BBC1ACAE70C5}" type="datetimeFigureOut">
               <a:rPr lang="en-US" smtClean="0"/>
-              <a:t>5/13/2024</a:t>
+              <a:t>5/14/2024</a:t>
             </a:fld>
             <a:endParaRPr lang="en-US"/>
           </a:p>
@@ -619,7 +619,7 @@
           <a:p>
             <a:fld id="{59396CE8-7E7D-4224-828F-DEB24339D0FB}" type="datetime1">
               <a:rPr lang="en-US" smtClean="0"/>
-              <a:t>5/13/2024</a:t>
+              <a:t>5/14/2024</a:t>
             </a:fld>
             <a:endParaRPr lang="en-US"/>
           </a:p>
@@ -820,7 +820,7 @@
           <a:p>
             <a:fld id="{59A24350-75B1-4E49-A5C3-9EA759B4EAC3}" type="datetime1">
               <a:rPr lang="en-US" smtClean="0"/>
-              <a:t>5/13/2024</a:t>
+              <a:t>5/14/2024</a:t>
             </a:fld>
             <a:endParaRPr lang="en-US"/>
           </a:p>
@@ -1031,7 +1031,7 @@
           <a:p>
             <a:fld id="{6B985D74-410A-419C-BB61-BBB791D75C86}" type="datetime1">
               <a:rPr lang="en-US" smtClean="0"/>
-              <a:t>5/13/2024</a:t>
+              <a:t>5/14/2024</a:t>
             </a:fld>
             <a:endParaRPr lang="en-US"/>
           </a:p>
@@ -1232,7 +1232,7 @@
           <a:p>
             <a:fld id="{B4FBCD07-0364-4414-8CF6-B0D636F044BE}" type="datetime1">
               <a:rPr lang="en-US" smtClean="0"/>
-              <a:t>5/13/2024</a:t>
+              <a:t>5/14/2024</a:t>
             </a:fld>
             <a:endParaRPr lang="en-US"/>
           </a:p>
@@ -1510,7 +1510,7 @@
           <a:p>
             <a:fld id="{4FF4D9AA-BF19-4B0B-AF4B-480A6545C076}" type="datetime1">
               <a:rPr lang="en-US" smtClean="0"/>
-              <a:t>5/13/2024</a:t>
+              <a:t>5/14/2024</a:t>
             </a:fld>
             <a:endParaRPr lang="en-US"/>
           </a:p>
@@ -1778,7 +1778,7 @@
           <a:p>
             <a:fld id="{31BFD6CE-9773-4293-8006-C2792C72D98E}" type="datetime1">
               <a:rPr lang="en-US" smtClean="0"/>
-              <a:t>5/13/2024</a:t>
+              <a:t>5/14/2024</a:t>
             </a:fld>
             <a:endParaRPr lang="en-US"/>
           </a:p>
@@ -2193,7 +2193,7 @@
           <a:p>
             <a:fld id="{99C8132A-C9A6-42E3-A319-B3C70BE9D788}" type="datetime1">
               <a:rPr lang="en-US" smtClean="0"/>
-              <a:t>5/13/2024</a:t>
+              <a:t>5/14/2024</a:t>
             </a:fld>
             <a:endParaRPr lang="en-US"/>
           </a:p>
@@ -2337,7 +2337,7 @@
           <a:p>
             <a:fld id="{469A015E-FEFF-4608-A4DA-6862361A8400}" type="datetime1">
               <a:rPr lang="en-US" smtClean="0"/>
-              <a:t>5/13/2024</a:t>
+              <a:t>5/14/2024</a:t>
             </a:fld>
             <a:endParaRPr lang="en-US"/>
           </a:p>
@@ -2453,7 +2453,7 @@
           <a:p>
             <a:fld id="{6996D52B-2E59-4519-AA5D-80F9D5423F8B}" type="datetime1">
               <a:rPr lang="en-US" smtClean="0"/>
-              <a:t>5/13/2024</a:t>
+              <a:t>5/14/2024</a:t>
             </a:fld>
             <a:endParaRPr lang="en-US"/>
           </a:p>
@@ -2767,7 +2767,7 @@
           <a:p>
             <a:fld id="{AD063BE0-B733-48F3-8F42-49B533399DAB}" type="datetime1">
               <a:rPr lang="en-US" smtClean="0"/>
-              <a:t>5/13/2024</a:t>
+              <a:t>5/14/2024</a:t>
             </a:fld>
             <a:endParaRPr lang="en-US"/>
           </a:p>
@@ -3058,7 +3058,7 @@
           <a:p>
             <a:fld id="{D26B0498-0B67-451A-8C70-B8DF30485C7E}" type="datetime1">
               <a:rPr lang="en-US" smtClean="0"/>
-              <a:t>5/13/2024</a:t>
+              <a:t>5/14/2024</a:t>
             </a:fld>
             <a:endParaRPr lang="en-US"/>
           </a:p>
@@ -3302,7 +3302,7 @@
           <a:p>
             <a:fld id="{2574B902-9849-438D-9DBB-2D1242D465CC}" type="datetime1">
               <a:rPr lang="en-US" smtClean="0"/>
-              <a:t>5/13/2024</a:t>
+              <a:t>5/14/2024</a:t>
             </a:fld>
             <a:endParaRPr lang="en-US"/>
           </a:p>
@@ -4143,7 +4143,7 @@
             </a:fld>
             <a:r>
               <a:rPr lang="sk-SK" sz="1600" dirty="0"/>
-              <a:t>/ 9</a:t>
+              <a:t> / 9</a:t>
             </a:r>
             <a:endParaRPr lang="en-US" sz="1600" dirty="0"/>
           </a:p>
@@ -4228,7 +4228,7 @@
                   </a:schemeClr>
                 </a:solidFill>
               </a:rPr>
-              <a:t>Vysvetlenie pojmov - Podmienky</a:t>
+              <a:t>Syntax - Podmienky</a:t>
             </a:r>
             <a:endParaRPr lang="en-US" sz="5400" b="1" dirty="0">
               <a:ln w="22225">
@@ -5755,7 +5755,7 @@
           <a:p>
             <a:pPr algn="just"/>
             <a:r>
-              <a:rPr lang="en-US" dirty="0" err="1">
+              <a:rPr lang="en-US" b="1" dirty="0" err="1">
                 <a:solidFill>
                   <a:srgbClr val="0070C0"/>
                 </a:solidFill>
@@ -5763,7 +5763,7 @@
               <a:t>kľúčové</a:t>
             </a:r>
             <a:r>
-              <a:rPr lang="en-US" dirty="0">
+              <a:rPr lang="en-US" b="1" dirty="0">
                 <a:solidFill>
                   <a:srgbClr val="0070C0"/>
                 </a:solidFill>
@@ -5771,7 +5771,7 @@
               <a:t> </a:t>
             </a:r>
             <a:r>
-              <a:rPr lang="en-US" dirty="0" err="1">
+              <a:rPr lang="en-US" b="1" dirty="0" err="1">
                 <a:solidFill>
                   <a:srgbClr val="0070C0"/>
                 </a:solidFill>
@@ -5915,7 +5915,7 @@
           <a:p>
             <a:pPr algn="just"/>
             <a:r>
-              <a:rPr lang="en-US" dirty="0" err="1">
+              <a:rPr lang="en-US" b="1" dirty="0" err="1">
                 <a:solidFill>
                   <a:srgbClr val="0070C0"/>
                 </a:solidFill>
@@ -6235,7 +6235,7 @@
           <a:p>
             <a:pPr algn="just"/>
             <a:r>
-              <a:rPr lang="en-US" dirty="0" err="1">
+              <a:rPr lang="en-US" b="1" dirty="0" err="1">
                 <a:solidFill>
                   <a:srgbClr val="0070C0"/>
                 </a:solidFill>
@@ -7211,7 +7211,7 @@
               <a:buNone/>
             </a:pPr>
             <a:r>
-              <a:rPr lang="en-US" dirty="0">
+              <a:rPr lang="en-US" b="1" dirty="0">
                 <a:solidFill>
                   <a:srgbClr val="0070C0"/>
                 </a:solidFill>
@@ -7219,7 +7219,7 @@
               <a:t>Blok </a:t>
             </a:r>
             <a:r>
-              <a:rPr lang="en-US" dirty="0" err="1">
+              <a:rPr lang="en-US" b="1" dirty="0" err="1">
                 <a:solidFill>
                   <a:srgbClr val="0070C0"/>
                 </a:solidFill>
@@ -7227,12 +7227,20 @@
               <a:t>kódu</a:t>
             </a:r>
             <a:r>
-              <a:rPr lang="en-US" dirty="0">
-                <a:solidFill>
-                  <a:srgbClr val="0070C0"/>
-                </a:solidFill>
-              </a:rPr>
-              <a:t> je </a:t>
+              <a:rPr lang="en-US" b="1" dirty="0">
+                <a:solidFill>
+                  <a:srgbClr val="0070C0"/>
+                </a:solidFill>
+              </a:rPr>
+              <a:t> </a:t>
+            </a:r>
+            <a:r>
+              <a:rPr lang="en-US" dirty="0">
+                <a:solidFill>
+                  <a:srgbClr val="0070C0"/>
+                </a:solidFill>
+              </a:rPr>
+              <a:t>je </a:t>
             </a:r>
             <a:r>
               <a:rPr lang="en-US" dirty="0" err="1">
